--- a/logo.pptx
+++ b/logo.pptx
@@ -288,7 +288,7 @@
           <a:p>
             <a:fld id="{826DE2BB-AEB3-43C3-9EC4-01E6A8643B43}" type="datetimeFigureOut">
               <a:rPr lang="en-US" smtClean="0"/>
-              <a:t>6/15/2015</a:t>
+              <a:t>6/16/2015</a:t>
             </a:fld>
             <a:endParaRPr lang="en-US"/>
           </a:p>
@@ -458,7 +458,7 @@
           <a:p>
             <a:fld id="{826DE2BB-AEB3-43C3-9EC4-01E6A8643B43}" type="datetimeFigureOut">
               <a:rPr lang="en-US" smtClean="0"/>
-              <a:t>6/15/2015</a:t>
+              <a:t>6/16/2015</a:t>
             </a:fld>
             <a:endParaRPr lang="en-US"/>
           </a:p>
@@ -638,7 +638,7 @@
           <a:p>
             <a:fld id="{826DE2BB-AEB3-43C3-9EC4-01E6A8643B43}" type="datetimeFigureOut">
               <a:rPr lang="en-US" smtClean="0"/>
-              <a:t>6/15/2015</a:t>
+              <a:t>6/16/2015</a:t>
             </a:fld>
             <a:endParaRPr lang="en-US"/>
           </a:p>
@@ -808,7 +808,7 @@
           <a:p>
             <a:fld id="{826DE2BB-AEB3-43C3-9EC4-01E6A8643B43}" type="datetimeFigureOut">
               <a:rPr lang="en-US" smtClean="0"/>
-              <a:t>6/15/2015</a:t>
+              <a:t>6/16/2015</a:t>
             </a:fld>
             <a:endParaRPr lang="en-US"/>
           </a:p>
@@ -1054,7 +1054,7 @@
           <a:p>
             <a:fld id="{826DE2BB-AEB3-43C3-9EC4-01E6A8643B43}" type="datetimeFigureOut">
               <a:rPr lang="en-US" smtClean="0"/>
-              <a:t>6/15/2015</a:t>
+              <a:t>6/16/2015</a:t>
             </a:fld>
             <a:endParaRPr lang="en-US"/>
           </a:p>
@@ -1342,7 +1342,7 @@
           <a:p>
             <a:fld id="{826DE2BB-AEB3-43C3-9EC4-01E6A8643B43}" type="datetimeFigureOut">
               <a:rPr lang="en-US" smtClean="0"/>
-              <a:t>6/15/2015</a:t>
+              <a:t>6/16/2015</a:t>
             </a:fld>
             <a:endParaRPr lang="en-US"/>
           </a:p>
@@ -1764,7 +1764,7 @@
           <a:p>
             <a:fld id="{826DE2BB-AEB3-43C3-9EC4-01E6A8643B43}" type="datetimeFigureOut">
               <a:rPr lang="en-US" smtClean="0"/>
-              <a:t>6/15/2015</a:t>
+              <a:t>6/16/2015</a:t>
             </a:fld>
             <a:endParaRPr lang="en-US"/>
           </a:p>
@@ -1882,7 +1882,7 @@
           <a:p>
             <a:fld id="{826DE2BB-AEB3-43C3-9EC4-01E6A8643B43}" type="datetimeFigureOut">
               <a:rPr lang="en-US" smtClean="0"/>
-              <a:t>6/15/2015</a:t>
+              <a:t>6/16/2015</a:t>
             </a:fld>
             <a:endParaRPr lang="en-US"/>
           </a:p>
@@ -1977,7 +1977,7 @@
           <a:p>
             <a:fld id="{826DE2BB-AEB3-43C3-9EC4-01E6A8643B43}" type="datetimeFigureOut">
               <a:rPr lang="en-US" smtClean="0"/>
-              <a:t>6/15/2015</a:t>
+              <a:t>6/16/2015</a:t>
             </a:fld>
             <a:endParaRPr lang="en-US"/>
           </a:p>
@@ -2254,7 +2254,7 @@
           <a:p>
             <a:fld id="{826DE2BB-AEB3-43C3-9EC4-01E6A8643B43}" type="datetimeFigureOut">
               <a:rPr lang="en-US" smtClean="0"/>
-              <a:t>6/15/2015</a:t>
+              <a:t>6/16/2015</a:t>
             </a:fld>
             <a:endParaRPr lang="en-US"/>
           </a:p>
@@ -2507,7 +2507,7 @@
           <a:p>
             <a:fld id="{826DE2BB-AEB3-43C3-9EC4-01E6A8643B43}" type="datetimeFigureOut">
               <a:rPr lang="en-US" smtClean="0"/>
-              <a:t>6/15/2015</a:t>
+              <a:t>6/16/2015</a:t>
             </a:fld>
             <a:endParaRPr lang="en-US"/>
           </a:p>
@@ -2574,8 +2574,9 @@
     <p:bg>
       <p:bgPr>
         <a:solidFill>
-          <a:schemeClr val="bg1">
-            <a:alpha val="0"/>
+          <a:schemeClr val="tx2">
+            <a:lumMod val="40000"/>
+            <a:lumOff val="60000"/>
           </a:schemeClr>
         </a:solidFill>
         <a:effectLst/>
@@ -2725,7 +2726,7 @@
           <a:p>
             <a:fld id="{826DE2BB-AEB3-43C3-9EC4-01E6A8643B43}" type="datetimeFigureOut">
               <a:rPr lang="en-US" smtClean="0"/>
-              <a:t>6/15/2015</a:t>
+              <a:t>6/16/2015</a:t>
             </a:fld>
             <a:endParaRPr lang="en-US"/>
           </a:p>
@@ -3086,14 +3087,6 @@
 <file path=ppt/slides/slide1.xml><?xml version="1.0" encoding="utf-8"?>
 <p:sld xmlns:a="http://schemas.openxmlformats.org/drawingml/2006/main" xmlns:r="http://schemas.openxmlformats.org/officeDocument/2006/relationships" xmlns:p="http://schemas.openxmlformats.org/presentationml/2006/main">
   <p:cSld>
-    <p:bg>
-      <p:bgPr>
-        <a:solidFill>
-          <a:schemeClr val="tx1"/>
-        </a:solidFill>
-        <a:effectLst/>
-      </p:bgPr>
-    </p:bg>
     <p:spTree>
       <p:nvGrpSpPr>
         <p:cNvPr id="1" name=""/>
@@ -3108,6 +3101,99 @@
           <a:chExt cx="0" cy="0"/>
         </a:xfrm>
       </p:grpSpPr>
+      <p:sp>
+        <p:nvSpPr>
+          <p:cNvPr id="3" name="Rounded Rectangle 2"/>
+          <p:cNvSpPr/>
+          <p:nvPr/>
+        </p:nvSpPr>
+        <p:spPr>
+          <a:xfrm>
+            <a:off x="1966463" y="220196"/>
+            <a:ext cx="15087600" cy="9085729"/>
+          </a:xfrm>
+          <a:prstGeom prst="roundRect">
+            <a:avLst>
+              <a:gd name="adj" fmla="val 2730"/>
+            </a:avLst>
+          </a:prstGeom>
+          <a:solidFill>
+            <a:schemeClr val="tx1">
+              <a:lumMod val="75000"/>
+              <a:lumOff val="25000"/>
+            </a:schemeClr>
+          </a:solidFill>
+        </p:spPr>
+        <p:style>
+          <a:lnRef idx="2">
+            <a:schemeClr val="accent1">
+              <a:shade val="50000"/>
+            </a:schemeClr>
+          </a:lnRef>
+          <a:fillRef idx="1">
+            <a:schemeClr val="accent1"/>
+          </a:fillRef>
+          <a:effectRef idx="0">
+            <a:schemeClr val="accent1"/>
+          </a:effectRef>
+          <a:fontRef idx="minor">
+            <a:schemeClr val="lt1"/>
+          </a:fontRef>
+        </p:style>
+        <p:txBody>
+          <a:bodyPr rtlCol="0" anchor="ctr"/>
+          <a:lstStyle/>
+          <a:p>
+            <a:pPr algn="ctr"/>
+            <a:endParaRPr lang="en-US"/>
+          </a:p>
+        </p:txBody>
+      </p:sp>
+      <p:sp>
+        <p:nvSpPr>
+          <p:cNvPr id="27" name="Rounded Rectangle 26"/>
+          <p:cNvSpPr/>
+          <p:nvPr/>
+        </p:nvSpPr>
+        <p:spPr>
+          <a:xfrm>
+            <a:off x="2423663" y="542925"/>
+            <a:ext cx="14173200" cy="8153400"/>
+          </a:xfrm>
+          <a:prstGeom prst="roundRect">
+            <a:avLst>
+              <a:gd name="adj" fmla="val 2730"/>
+            </a:avLst>
+          </a:prstGeom>
+          <a:solidFill>
+            <a:schemeClr val="bg1"/>
+          </a:solidFill>
+        </p:spPr>
+        <p:style>
+          <a:lnRef idx="2">
+            <a:schemeClr val="accent1">
+              <a:shade val="50000"/>
+            </a:schemeClr>
+          </a:lnRef>
+          <a:fillRef idx="1">
+            <a:schemeClr val="accent1"/>
+          </a:fillRef>
+          <a:effectRef idx="0">
+            <a:schemeClr val="accent1"/>
+          </a:effectRef>
+          <a:fontRef idx="minor">
+            <a:schemeClr val="lt1"/>
+          </a:fontRef>
+        </p:style>
+        <p:txBody>
+          <a:bodyPr rtlCol="0" anchor="ctr"/>
+          <a:lstStyle/>
+          <a:p>
+            <a:pPr algn="ctr"/>
+            <a:endParaRPr lang="en-US"/>
+          </a:p>
+        </p:txBody>
+      </p:sp>
       <p:grpSp>
         <p:nvGrpSpPr>
           <p:cNvPr id="2" name="Group 1"/>
@@ -3116,8 +3202,8 @@
         </p:nvGrpSpPr>
         <p:grpSpPr>
           <a:xfrm>
-            <a:off x="523876" y="695326"/>
-            <a:ext cx="7996612" cy="8001000"/>
+            <a:off x="6493450" y="1381125"/>
+            <a:ext cx="6033627" cy="6771963"/>
             <a:chOff x="6391275" y="1497280"/>
             <a:chExt cx="5559551" cy="5562601"/>
           </a:xfrm>
@@ -4335,62 +4421,55 @@
       </p:grpSp>
       <p:sp>
         <p:nvSpPr>
-          <p:cNvPr id="3" name="TextBox 2"/>
-          <p:cNvSpPr txBox="1"/>
+          <p:cNvPr id="4" name="Rectangle 3"/>
+          <p:cNvSpPr/>
           <p:nvPr/>
         </p:nvSpPr>
         <p:spPr>
           <a:xfrm>
-            <a:off x="8829675" y="551974"/>
-            <a:ext cx="9448800" cy="8217634"/>
+            <a:off x="8834104" y="9305926"/>
+            <a:ext cx="1352319" cy="1228724"/>
           </a:xfrm>
           <a:prstGeom prst="rect">
             <a:avLst/>
           </a:prstGeom>
-          <a:noFill/>
+          <a:solidFill>
+            <a:schemeClr val="tx1">
+              <a:lumMod val="75000"/>
+              <a:lumOff val="25000"/>
+            </a:schemeClr>
+          </a:solidFill>
+          <a:ln>
+            <a:solidFill>
+              <a:schemeClr val="tx1">
+                <a:lumMod val="75000"/>
+                <a:lumOff val="25000"/>
+              </a:schemeClr>
+            </a:solidFill>
+          </a:ln>
         </p:spPr>
-        <p:txBody>
-          <a:bodyPr wrap="square" rtlCol="0">
-            <a:spAutoFit/>
-            <a:scene3d>
-              <a:camera prst="orthographicFront"/>
-              <a:lightRig rig="balanced" dir="t">
-                <a:rot lat="0" lon="0" rev="2100000"/>
-              </a:lightRig>
-            </a:scene3d>
-            <a:sp3d extrusionH="57150" prstMaterial="metal">
-              <a:bevelT w="38100" h="25400"/>
-              <a:contourClr>
-                <a:schemeClr val="bg2"/>
-              </a:contourClr>
-            </a:sp3d>
-          </a:bodyPr>
+        <p:style>
+          <a:lnRef idx="2">
+            <a:schemeClr val="accent1">
+              <a:shade val="50000"/>
+            </a:schemeClr>
+          </a:lnRef>
+          <a:fillRef idx="1">
+            <a:schemeClr val="accent1"/>
+          </a:fillRef>
+          <a:effectRef idx="0">
+            <a:schemeClr val="accent1"/>
+          </a:effectRef>
+          <a:fontRef idx="minor">
+            <a:schemeClr val="lt1"/>
+          </a:fontRef>
+        </p:style>
+        <p:txBody>
+          <a:bodyPr rtlCol="0" anchor="ctr"/>
           <a:lstStyle/>
           <a:p>
-            <a:pPr algn="r"/>
-            <a:r>
-              <a:rPr lang="en-US" sz="8800" b="1" spc="600" dirty="0" smtClean="0">
-                <a:ln w="50800"/>
-                <a:solidFill>
-                  <a:schemeClr val="bg1">
-                    <a:shade val="50000"/>
-                  </a:schemeClr>
-                </a:solidFill>
-                <a:latin typeface="Arial" panose="020B0604020202020204" pitchFamily="34" charset="0"/>
-                <a:cs typeface="Arial" panose="020B0604020202020204" pitchFamily="34" charset="0"/>
-              </a:rPr>
-              <a:t>Building Test Automation Framework using Selenium and Java</a:t>
-            </a:r>
-            <a:endParaRPr lang="en-US" sz="8800" b="1" spc="600" dirty="0">
-              <a:ln w="50800"/>
-              <a:solidFill>
-                <a:schemeClr val="bg1">
-                  <a:shade val="50000"/>
-                </a:schemeClr>
-              </a:solidFill>
-              <a:latin typeface="Arial" panose="020B0604020202020204" pitchFamily="34" charset="0"/>
-              <a:cs typeface="Arial" panose="020B0604020202020204" pitchFamily="34" charset="0"/>
-            </a:endParaRPr>
+            <a:pPr algn="ctr"/>
+            <a:endParaRPr lang="en-US"/>
           </a:p>
         </p:txBody>
       </p:sp>
